--- a/962821104107NM.pptx
+++ b/962821104107NM.pptx
@@ -127,7 +127,7 @@
           <a:p>
             <a:fld id="{B43C24CB-3184-43ED-9E23-EE8F8682DC92}" type="datetimeFigureOut">
               <a:rPr lang="en-IN" smtClean="0"/>
-              <a:t>04-04-2024</a:t>
+              <a:t>05-04-2024</a:t>
             </a:fld>
             <a:endParaRPr lang="en-IN"/>
           </a:p>
@@ -624,7 +624,7 @@
           <a:p>
             <a:fld id="{1D8BD707-D9CF-40AE-B4C6-C98DA3205C09}" type="datetimeFigureOut">
               <a:rPr lang="en-US"/>
-              <a:t>4/4/2024</a:t>
+              <a:t>4/5/2024</a:t>
             </a:fld>
             <a:endParaRPr lang="en-US"/>
           </a:p>
@@ -804,7 +804,7 @@
           <a:p>
             <a:fld id="{1D8BD707-D9CF-40AE-B4C6-C98DA3205C09}" type="datetimeFigureOut">
               <a:rPr lang="en-US"/>
-              <a:t>4/4/2024</a:t>
+              <a:t>4/5/2024</a:t>
             </a:fld>
             <a:endParaRPr lang="en-US"/>
           </a:p>
@@ -1027,7 +1027,7 @@
           <a:p>
             <a:fld id="{1D8BD707-D9CF-40AE-B4C6-C98DA3205C09}" type="datetimeFigureOut">
               <a:rPr lang="en-US"/>
-              <a:t>4/4/2024</a:t>
+              <a:t>4/5/2024</a:t>
             </a:fld>
             <a:endParaRPr lang="en-US"/>
           </a:p>
@@ -1184,7 +1184,7 @@
           <a:p>
             <a:fld id="{1D8BD707-D9CF-40AE-B4C6-C98DA3205C09}" type="datetimeFigureOut">
               <a:rPr lang="en-US"/>
-              <a:t>4/4/2024</a:t>
+              <a:t>4/5/2024</a:t>
             </a:fld>
             <a:endParaRPr lang="en-US"/>
           </a:p>
@@ -1312,7 +1312,7 @@
           <a:p>
             <a:fld id="{1D8BD707-D9CF-40AE-B4C6-C98DA3205C09}" type="datetimeFigureOut">
               <a:rPr lang="en-US"/>
-              <a:t>4/4/2024</a:t>
+              <a:t>4/5/2024</a:t>
             </a:fld>
             <a:endParaRPr lang="en-US"/>
           </a:p>
@@ -2031,7 +2031,7 @@
           <a:p>
             <a:fld id="{1D8BD707-D9CF-40AE-B4C6-C98DA3205C09}" type="datetimeFigureOut">
               <a:rPr lang="en-US"/>
-              <a:t>4/4/2024</a:t>
+              <a:t>4/5/2024</a:t>
             </a:fld>
             <a:endParaRPr lang="en-US"/>
           </a:p>
@@ -2506,8 +2506,8 @@
         </p:nvSpPr>
         <p:spPr>
           <a:xfrm>
-            <a:off x="5943600" y="2067305"/>
-            <a:ext cx="4876800" cy="632224"/>
+            <a:off x="2362200" y="2895600"/>
+            <a:ext cx="8077200" cy="1927451"/>
           </a:xfrm>
           <a:prstGeom prst="rect">
             <a:avLst/>
@@ -2528,79 +2528,98 @@
               </a:spcBef>
             </a:pPr>
             <a:r>
-              <a:rPr lang="en-US" sz="4000" dirty="0">
+              <a:rPr lang="en-US" sz="2000" dirty="0">
                 <a:latin typeface="Trebuchet MS"/>
                 <a:cs typeface="Trebuchet MS"/>
               </a:rPr>
-              <a:t>VINODH RAJ M</a:t>
-            </a:r>
-            <a:endParaRPr sz="4000" dirty="0">
-              <a:latin typeface="Trebuchet MS"/>
-              <a:cs typeface="Trebuchet MS"/>
-            </a:endParaRPr>
-          </a:p>
-        </p:txBody>
-      </p:sp>
-      <p:sp>
-        <p:nvSpPr>
-          <p:cNvPr id="8" name="object 8"/>
-          <p:cNvSpPr txBox="1"/>
-          <p:nvPr/>
-        </p:nvSpPr>
-        <p:spPr>
-          <a:xfrm>
-            <a:off x="5943600" y="2821622"/>
-            <a:ext cx="3429000" cy="505267"/>
-          </a:xfrm>
-          <a:prstGeom prst="rect">
-            <a:avLst/>
-          </a:prstGeom>
-        </p:spPr>
-        <p:txBody>
-          <a:bodyPr vert="horz" wrap="square" lIns="0" tIns="12700" rIns="0" bIns="0" rtlCol="0">
-            <a:spAutoFit/>
-          </a:bodyPr>
-          <a:lstStyle/>
+              <a:t>Presented By: Vinodh Raj M</a:t>
+            </a:r>
+          </a:p>
           <a:p>
             <a:pPr marL="12700">
               <a:lnSpc>
                 <a:spcPct val="100000"/>
               </a:lnSpc>
               <a:spcBef>
-                <a:spcPts val="100"/>
+                <a:spcPts val="130"/>
               </a:spcBef>
             </a:pPr>
             <a:r>
-              <a:rPr sz="3200" b="1" dirty="0">
-                <a:solidFill>
-                  <a:srgbClr val="2D936B"/>
-                </a:solidFill>
+              <a:rPr lang="en-US" sz="2000" dirty="0">
                 <a:latin typeface="Trebuchet MS"/>
                 <a:cs typeface="Trebuchet MS"/>
               </a:rPr>
-              <a:t>Final</a:t>
-            </a:r>
-            <a:r>
-              <a:rPr sz="3200" b="1" spc="-40" dirty="0">
-                <a:solidFill>
-                  <a:srgbClr val="2D936B"/>
-                </a:solidFill>
+              <a:t>NM ID: au962821104107</a:t>
+            </a:r>
+          </a:p>
+          <a:p>
+            <a:pPr marL="12700">
+              <a:lnSpc>
+                <a:spcPct val="100000"/>
+              </a:lnSpc>
+              <a:spcBef>
+                <a:spcPts val="130"/>
+              </a:spcBef>
+            </a:pPr>
+            <a:r>
+              <a:rPr lang="en-US" sz="2000" dirty="0">
                 <a:latin typeface="Trebuchet MS"/>
                 <a:cs typeface="Trebuchet MS"/>
               </a:rPr>
-              <a:t> </a:t>
-            </a:r>
-            <a:r>
-              <a:rPr sz="3200" b="1" spc="-10" dirty="0">
-                <a:solidFill>
-                  <a:srgbClr val="2D936B"/>
-                </a:solidFill>
+              <a:t>Register Number: 962821104107</a:t>
+            </a:r>
+          </a:p>
+          <a:p>
+            <a:pPr marL="12700">
+              <a:lnSpc>
+                <a:spcPct val="100000"/>
+              </a:lnSpc>
+              <a:spcBef>
+                <a:spcPts val="130"/>
+              </a:spcBef>
+            </a:pPr>
+            <a:r>
+              <a:rPr lang="en-US" sz="2000" dirty="0">
                 <a:latin typeface="Trebuchet MS"/>
                 <a:cs typeface="Trebuchet MS"/>
               </a:rPr>
-              <a:t>Project</a:t>
-            </a:r>
-            <a:endParaRPr sz="3200" dirty="0">
+              <a:t>Email ID: rajvinodh75@gmail.com</a:t>
+            </a:r>
+          </a:p>
+          <a:p>
+            <a:pPr marL="12700">
+              <a:lnSpc>
+                <a:spcPct val="100000"/>
+              </a:lnSpc>
+              <a:spcBef>
+                <a:spcPts val="130"/>
+              </a:spcBef>
+            </a:pPr>
+            <a:r>
+              <a:rPr lang="en-US" sz="2000" dirty="0">
+                <a:latin typeface="Trebuchet MS"/>
+                <a:cs typeface="Trebuchet MS"/>
+              </a:rPr>
+              <a:t>Department: Computer Science and Engineering </a:t>
+            </a:r>
+          </a:p>
+          <a:p>
+            <a:pPr marL="12700">
+              <a:lnSpc>
+                <a:spcPct val="100000"/>
+              </a:lnSpc>
+              <a:spcBef>
+                <a:spcPts val="130"/>
+              </a:spcBef>
+            </a:pPr>
+            <a:r>
+              <a:rPr lang="en-US" sz="2000" dirty="0">
+                <a:latin typeface="Trebuchet MS"/>
+                <a:cs typeface="Trebuchet MS"/>
+              </a:rPr>
+              <a:t>College Name: University College of Engineering Nagercoil</a:t>
+            </a:r>
+            <a:endParaRPr sz="2000" dirty="0">
               <a:latin typeface="Trebuchet MS"/>
               <a:cs typeface="Trebuchet MS"/>
             </a:endParaRPr>
@@ -2901,7 +2920,7 @@
         <p:spPr>
           <a:xfrm>
             <a:off x="762000" y="1507806"/>
-            <a:ext cx="8077200" cy="2344168"/>
+            <a:ext cx="8077200" cy="2949975"/>
           </a:xfrm>
           <a:prstGeom prst="rect">
             <a:avLst/>
@@ -2920,12 +2939,29 @@
               </a:lnSpc>
             </a:pPr>
             <a:r>
-              <a:rPr lang="en-US" sz="2000" dirty="0">
+              <a:rPr lang="en-US" dirty="0">
                 <a:latin typeface="Trebuchet MS" panose="020B0603020202020204" pitchFamily="34" charset="0"/>
               </a:rPr>
               <a:t>In summary, the result of this project is a powerful text-to-image generation system that empowers users to effortlessly create high-quality images from textual descriptions. This system has the potential to revolutionize content generation processes and unlock new opportunities for creative expression and communication.</a:t>
             </a:r>
-            <a:endParaRPr lang="en-IN" sz="2000" dirty="0">
+          </a:p>
+          <a:p>
+            <a:pPr>
+              <a:lnSpc>
+                <a:spcPct val="150000"/>
+              </a:lnSpc>
+            </a:pPr>
+            <a:endParaRPr lang="en-US" dirty="0">
+              <a:latin typeface="Trebuchet MS" panose="020B0603020202020204" pitchFamily="34" charset="0"/>
+            </a:endParaRPr>
+          </a:p>
+          <a:p>
+            <a:pPr>
+              <a:lnSpc>
+                <a:spcPct val="150000"/>
+              </a:lnSpc>
+            </a:pPr>
+            <a:endParaRPr lang="en-IN" dirty="0">
               <a:latin typeface="Trebuchet MS" panose="020B0603020202020204" pitchFamily="34" charset="0"/>
             </a:endParaRPr>
           </a:p>
@@ -2985,6 +3021,36 @@
           </a:p>
         </p:txBody>
       </p:sp>
+      <p:pic>
+        <p:nvPicPr>
+          <p:cNvPr id="10" name="Picture 9">
+            <a:extLst>
+              <a:ext uri="{FF2B5EF4-FFF2-40B4-BE49-F238E27FC236}">
+                <a16:creationId xmlns:a16="http://schemas.microsoft.com/office/drawing/2014/main" id="{2BD876B5-7E80-C2A1-D756-D28648B44B81}"/>
+              </a:ext>
+            </a:extLst>
+          </p:cNvPr>
+          <p:cNvPicPr>
+            <a:picLocks noChangeAspect="1"/>
+          </p:cNvPicPr>
+          <p:nvPr/>
+        </p:nvPicPr>
+        <p:blipFill>
+          <a:blip r:embed="rId5"/>
+          <a:stretch>
+            <a:fillRect/>
+          </a:stretch>
+        </p:blipFill>
+        <p:spPr>
+          <a:xfrm>
+            <a:off x="7481979" y="3200212"/>
+            <a:ext cx="4219574" cy="3657788"/>
+          </a:xfrm>
+          <a:prstGeom prst="rect">
+            <a:avLst/>
+          </a:prstGeom>
+        </p:spPr>
+      </p:pic>
     </p:spTree>
   </p:cSld>
   <p:clrMapOvr>
@@ -3056,7 +3122,7 @@
           <a:bodyPr wrap="square" lIns="0" tIns="0" rIns="0" bIns="0" rtlCol="0"/>
           <a:lstStyle/>
           <a:p>
-            <a:endParaRPr/>
+            <a:endParaRPr dirty="0"/>
           </a:p>
         </p:txBody>
       </p:sp>
@@ -3679,7 +3745,7 @@
         <p:spPr>
           <a:xfrm>
             <a:off x="558165" y="385444"/>
-            <a:ext cx="9728835" cy="1119216"/>
+            <a:ext cx="9728835" cy="1773241"/>
           </a:xfrm>
           <a:prstGeom prst="rect">
             <a:avLst/>
@@ -3701,7 +3767,7 @@
             </a:pPr>
             <a:r>
               <a:rPr lang="en-US" sz="4250" dirty="0"/>
-              <a:t>Text to Image Generation AI</a:t>
+              <a:t>Text to Image Generation AI using Transformers</a:t>
             </a:r>
             <a:endParaRPr sz="4250" dirty="0"/>
           </a:p>
